--- a/vis_and_analysis_student_demo_template.pptx
+++ b/vis_and_analysis_student_demo_template.pptx
@@ -258,7 +258,7 @@
             <a:fld id="{93FAAC3A-BD1F-4A00-9099-74B95789FE00}" type="datetimeFigureOut">
               <a:rPr lang="en-GB" smtClean="0"/>
               <a:pPr/>
-              <a:t>06/12/2025</a:t>
+              <a:t>11/12/2025</a:t>
             </a:fld>
             <a:endParaRPr lang="en-GB"/>
           </a:p>
@@ -796,7 +796,7 @@
             <a:fld id="{8E359C8A-39F6-4045-9163-4042C4C26B15}" type="datetimeFigureOut">
               <a:rPr lang="en-GB" smtClean="0"/>
               <a:pPr/>
-              <a:t>06/12/2025</a:t>
+              <a:t>11/12/2025</a:t>
             </a:fld>
             <a:endParaRPr lang="en-GB"/>
           </a:p>
@@ -7047,8 +7047,8 @@
           </a:prstGeom>
         </p:spPr>
       </p:pic>
-      <mc:AlternateContent xmlns:mc="http://schemas.openxmlformats.org/markup-compatibility/2006">
-        <mc:Choice xmlns:p14="http://schemas.microsoft.com/office/powerpoint/2010/main" Requires="p14">
+      <mc:AlternateContent xmlns:mc="http://schemas.openxmlformats.org/markup-compatibility/2006" xmlns:p14="http://schemas.microsoft.com/office/powerpoint/2010/main">
+        <mc:Choice Requires="p14">
           <p:contentPart p14:bwMode="auto" r:id="rId4">
             <p14:nvContentPartPr>
               <p14:cNvPr id="6" name="Ink 5">
@@ -7067,7 +7067,7 @@
             </p14:xfrm>
           </p:contentPart>
         </mc:Choice>
-        <mc:Fallback>
+        <mc:Fallback xmlns="">
           <p:pic>
             <p:nvPicPr>
               <p:cNvPr id="6" name="Ink 5">
@@ -7471,8 +7471,8 @@
         </p:blipFill>
         <p:spPr>
           <a:xfrm>
-            <a:off x="4930441" y="909828"/>
-            <a:ext cx="4268424" cy="2327148"/>
+            <a:off x="4902565" y="825887"/>
+            <a:ext cx="3185630" cy="1736808"/>
           </a:xfrm>
           <a:prstGeom prst="rect">
             <a:avLst/>
@@ -7503,7 +7503,7 @@
         <p:spPr>
           <a:xfrm>
             <a:off x="179832" y="988128"/>
-            <a:ext cx="4564081" cy="2409444"/>
+            <a:ext cx="3677079" cy="1941183"/>
           </a:xfrm>
           <a:prstGeom prst="rect">
             <a:avLst/>
@@ -7533,8 +7533,8 @@
         </p:blipFill>
         <p:spPr>
           <a:xfrm>
-            <a:off x="8741665" y="3776472"/>
-            <a:ext cx="3355848" cy="2880360"/>
+            <a:off x="8773350" y="2562695"/>
+            <a:ext cx="3237594" cy="2073313"/>
           </a:xfrm>
           <a:prstGeom prst="rect">
             <a:avLst/>
@@ -7564,8 +7564,8 @@
         </p:blipFill>
         <p:spPr>
           <a:xfrm>
-            <a:off x="9400031" y="1609344"/>
-            <a:ext cx="2734057" cy="1865376"/>
+            <a:off x="9133849" y="870677"/>
+            <a:ext cx="2677177" cy="1528485"/>
           </a:xfrm>
           <a:prstGeom prst="rect">
             <a:avLst/>
@@ -7594,8 +7594,8 @@
         </p:blipFill>
         <p:spPr>
           <a:xfrm>
-            <a:off x="328300" y="3113533"/>
-            <a:ext cx="4234556" cy="2409444"/>
+            <a:off x="179832" y="3159253"/>
+            <a:ext cx="3677079" cy="2208275"/>
           </a:xfrm>
           <a:prstGeom prst="rect">
             <a:avLst/>
@@ -7625,8 +7625,8 @@
         </p:blipFill>
         <p:spPr>
           <a:xfrm>
-            <a:off x="5056846" y="3326142"/>
-            <a:ext cx="3355847" cy="2644442"/>
+            <a:off x="4941547" y="2680740"/>
+            <a:ext cx="3185630" cy="1736808"/>
           </a:xfrm>
           <a:prstGeom prst="rect">
             <a:avLst/>
@@ -7667,6 +7667,66 @@
           </a:p>
         </p:txBody>
       </p:sp>
+      <p:pic>
+        <p:nvPicPr>
+          <p:cNvPr id="7" name="Picture 6">
+            <a:extLst>
+              <a:ext uri="{FF2B5EF4-FFF2-40B4-BE49-F238E27FC236}">
+                <a16:creationId xmlns:a16="http://schemas.microsoft.com/office/drawing/2014/main" id="{1A930F04-4FC5-7F82-7F69-292E90847D84}"/>
+              </a:ext>
+            </a:extLst>
+          </p:cNvPr>
+          <p:cNvPicPr>
+            <a:picLocks noChangeAspect="1"/>
+          </p:cNvPicPr>
+          <p:nvPr/>
+        </p:nvPicPr>
+        <p:blipFill>
+          <a:blip r:embed="rId8"/>
+          <a:stretch>
+            <a:fillRect/>
+          </a:stretch>
+        </p:blipFill>
+        <p:spPr>
+          <a:xfrm>
+            <a:off x="4377684" y="4535593"/>
+            <a:ext cx="3560739" cy="2244288"/>
+          </a:xfrm>
+          <a:prstGeom prst="rect">
+            <a:avLst/>
+          </a:prstGeom>
+        </p:spPr>
+      </p:pic>
+      <p:pic>
+        <p:nvPicPr>
+          <p:cNvPr id="9" name="Picture 8">
+            <a:extLst>
+              <a:ext uri="{FF2B5EF4-FFF2-40B4-BE49-F238E27FC236}">
+                <a16:creationId xmlns:a16="http://schemas.microsoft.com/office/drawing/2014/main" id="{2DCA628D-20F9-520F-8FA3-5AC4FD5B4C89}"/>
+              </a:ext>
+            </a:extLst>
+          </p:cNvPr>
+          <p:cNvPicPr>
+            <a:picLocks noChangeAspect="1"/>
+          </p:cNvPicPr>
+          <p:nvPr/>
+        </p:nvPicPr>
+        <p:blipFill>
+          <a:blip r:embed="rId9"/>
+          <a:stretch>
+            <a:fillRect/>
+          </a:stretch>
+        </p:blipFill>
+        <p:spPr>
+          <a:xfrm>
+            <a:off x="8385049" y="4644823"/>
+            <a:ext cx="3237594" cy="2135058"/>
+          </a:xfrm>
+          <a:prstGeom prst="rect">
+            <a:avLst/>
+          </a:prstGeom>
+        </p:spPr>
+      </p:pic>
     </p:spTree>
     <p:extLst>
       <p:ext uri="{BB962C8B-B14F-4D97-AF65-F5344CB8AC3E}">
@@ -9003,8 +9063,8 @@
           </a:prstGeom>
         </p:spPr>
       </p:pic>
-      <mc:AlternateContent xmlns:mc="http://schemas.openxmlformats.org/markup-compatibility/2006">
-        <mc:Choice xmlns:p14="http://schemas.microsoft.com/office/powerpoint/2010/main" Requires="p14">
+      <mc:AlternateContent xmlns:mc="http://schemas.openxmlformats.org/markup-compatibility/2006" xmlns:p14="http://schemas.microsoft.com/office/powerpoint/2010/main">
+        <mc:Choice Requires="p14">
           <p:contentPart p14:bwMode="auto" r:id="rId4">
             <p14:nvContentPartPr>
               <p14:cNvPr id="6" name="Ink 5">
@@ -9023,7 +9083,7 @@
             </p14:xfrm>
           </p:contentPart>
         </mc:Choice>
-        <mc:Fallback>
+        <mc:Fallback xmlns="">
           <p:pic>
             <p:nvPicPr>
               <p:cNvPr id="6" name="Ink 5">
@@ -9054,8 +9114,8 @@
           </p:pic>
         </mc:Fallback>
       </mc:AlternateContent>
-      <mc:AlternateContent xmlns:mc="http://schemas.openxmlformats.org/markup-compatibility/2006">
-        <mc:Choice xmlns:p14="http://schemas.microsoft.com/office/powerpoint/2010/main" Requires="p14">
+      <mc:AlternateContent xmlns:mc="http://schemas.openxmlformats.org/markup-compatibility/2006" xmlns:p14="http://schemas.microsoft.com/office/powerpoint/2010/main">
+        <mc:Choice Requires="p14">
           <p:contentPart p14:bwMode="auto" r:id="rId6">
             <p14:nvContentPartPr>
               <p14:cNvPr id="7" name="Ink 6">
@@ -9074,7 +9134,7 @@
             </p14:xfrm>
           </p:contentPart>
         </mc:Choice>
-        <mc:Fallback>
+        <mc:Fallback xmlns="">
           <p:pic>
             <p:nvPicPr>
               <p:cNvPr id="7" name="Ink 6">
@@ -9965,15 +10025,6 @@
 </file>
 
 <file path=customXml/item1.xml><?xml version="1.0" encoding="utf-8"?>
-<?mso-contentType ?>
-<FormTemplates xmlns="http://schemas.microsoft.com/sharepoint/v3/contenttype/forms">
-  <Display>DocumentLibraryForm</Display>
-  <Edit>DocumentLibraryForm</Edit>
-  <New>DocumentLibraryForm</New>
-</FormTemplates>
-</file>
-
-<file path=customXml/item2.xml><?xml version="1.0" encoding="utf-8"?>
 <ct:contentTypeSchema xmlns:ct="http://schemas.microsoft.com/office/2006/metadata/contentType" xmlns:ma="http://schemas.microsoft.com/office/2006/metadata/properties/metaAttributes" ct:_="" ma:_="" ma:contentTypeName="Document" ma:contentTypeID="0x01010026DBA85F447B164191BB36C258697B67" ma:contentTypeVersion="14" ma:contentTypeDescription="Create a new document." ma:contentTypeScope="" ma:versionID="ea511d05ca7f895fe9556935b5c9af34">
   <xsd:schema xmlns:xsd="http://www.w3.org/2001/XMLSchema" xmlns:xs="http://www.w3.org/2001/XMLSchema" xmlns:p="http://schemas.microsoft.com/office/2006/metadata/properties" xmlns:ns2="4ad138b4-2b68-4b70-945d-07f8f18b1c9a" xmlns:ns3="3c474641-ec36-472f-b125-6b1b0910eaa4" targetNamespace="http://schemas.microsoft.com/office/2006/metadata/properties" ma:root="true" ma:fieldsID="662270106d7a7e100bcac2c5f8d29899" ns2:_="" ns3:_="">
     <xsd:import namespace="4ad138b4-2b68-4b70-945d-07f8f18b1c9a"/>
@@ -10198,6 +10249,15 @@
 </ct:contentTypeSchema>
 </file>
 
+<file path=customXml/item2.xml><?xml version="1.0" encoding="utf-8"?>
+<?mso-contentType ?>
+<FormTemplates xmlns="http://schemas.microsoft.com/sharepoint/v3/contenttype/forms">
+  <Display>DocumentLibraryForm</Display>
+  <Edit>DocumentLibraryForm</Edit>
+  <New>DocumentLibraryForm</New>
+</FormTemplates>
+</file>
+
 <file path=customXml/item3.xml><?xml version="1.0" encoding="utf-8"?>
 <p:properties xmlns:p="http://schemas.microsoft.com/office/2006/metadata/properties" xmlns:xsi="http://www.w3.org/2001/XMLSchema-instance" xmlns:pc="http://schemas.microsoft.com/office/infopath/2007/PartnerControls">
   <documentManagement>
@@ -10207,14 +10267,6 @@
 </file>
 
 <file path=customXml/itemProps1.xml><?xml version="1.0" encoding="utf-8"?>
-<ds:datastoreItem xmlns:ds="http://schemas.openxmlformats.org/officeDocument/2006/customXml" ds:itemID="{91C521DD-2673-4EE6-BB9B-DC5C3320FFBB}">
-  <ds:schemaRefs>
-    <ds:schemaRef ds:uri="http://schemas.microsoft.com/sharepoint/v3/contenttype/forms"/>
-  </ds:schemaRefs>
-</ds:datastoreItem>
-</file>
-
-<file path=customXml/itemProps2.xml><?xml version="1.0" encoding="utf-8"?>
 <ds:datastoreItem xmlns:ds="http://schemas.openxmlformats.org/officeDocument/2006/customXml" ds:itemID="{421B8C57-903D-4D0E-8336-7B512F760CD1}">
   <ds:schemaRefs>
     <ds:schemaRef ds:uri="3c474641-ec36-472f-b125-6b1b0910eaa4"/>
@@ -10229,6 +10281,14 @@
     <ds:schemaRef ds:uri="http://schemas.microsoft.com/office/infopath/2007/PartnerControls"/>
     <ds:schemaRef ds:uri="http://schemas.openxmlformats.org/package/2006/metadata/core-properties"/>
     <ds:schemaRef ds:uri="http://www.w3.org/2001/XMLSchema"/>
+  </ds:schemaRefs>
+</ds:datastoreItem>
+</file>
+
+<file path=customXml/itemProps2.xml><?xml version="1.0" encoding="utf-8"?>
+<ds:datastoreItem xmlns:ds="http://schemas.openxmlformats.org/officeDocument/2006/customXml" ds:itemID="{91C521DD-2673-4EE6-BB9B-DC5C3320FFBB}">
+  <ds:schemaRefs>
+    <ds:schemaRef ds:uri="http://schemas.microsoft.com/sharepoint/v3/contenttype/forms"/>
   </ds:schemaRefs>
 </ds:datastoreItem>
 </file>

--- a/vis_and_analysis_student_demo_template.pptx
+++ b/vis_and_analysis_student_demo_template.pptx
@@ -7481,10 +7481,10 @@
       </p:pic>
       <p:pic>
         <p:nvPicPr>
-          <p:cNvPr id="12" name="Picture 11">
-            <a:extLst>
-              <a:ext uri="{FF2B5EF4-FFF2-40B4-BE49-F238E27FC236}">
-                <a16:creationId xmlns:a16="http://schemas.microsoft.com/office/drawing/2014/main" id="{7C903F73-BC68-EB51-2ECF-9CFBB5092B66}"/>
+          <p:cNvPr id="13" name="Picture 12">
+            <a:extLst>
+              <a:ext uri="{FF2B5EF4-FFF2-40B4-BE49-F238E27FC236}">
+                <a16:creationId xmlns:a16="http://schemas.microsoft.com/office/drawing/2014/main" id="{572BE37E-A73A-2043-B8F6-F8908D8BBA6D}"/>
               </a:ext>
             </a:extLst>
           </p:cNvPr>
@@ -7495,15 +7495,15 @@
         </p:nvPicPr>
         <p:blipFill>
           <a:blip r:embed="rId3"/>
-          <a:srcRect t="5558" r="6786" b="15541"/>
+          <a:srcRect t="5623" r="8872" b="3543"/>
           <a:stretch>
             <a:fillRect/>
           </a:stretch>
         </p:blipFill>
         <p:spPr>
           <a:xfrm>
-            <a:off x="179832" y="988128"/>
-            <a:ext cx="3677079" cy="1941183"/>
+            <a:off x="8773350" y="2562695"/>
+            <a:ext cx="3237594" cy="2073313"/>
           </a:xfrm>
           <a:prstGeom prst="rect">
             <a:avLst/>
@@ -7512,10 +7512,10 @@
       </p:pic>
       <p:pic>
         <p:nvPicPr>
-          <p:cNvPr id="13" name="Picture 12">
-            <a:extLst>
-              <a:ext uri="{FF2B5EF4-FFF2-40B4-BE49-F238E27FC236}">
-                <a16:creationId xmlns:a16="http://schemas.microsoft.com/office/drawing/2014/main" id="{572BE37E-A73A-2043-B8F6-F8908D8BBA6D}"/>
+          <p:cNvPr id="14" name="Picture 13">
+            <a:extLst>
+              <a:ext uri="{FF2B5EF4-FFF2-40B4-BE49-F238E27FC236}">
+                <a16:creationId xmlns:a16="http://schemas.microsoft.com/office/drawing/2014/main" id="{984421B3-CA5B-707F-C8D2-5D247B6CB62D}"/>
               </a:ext>
             </a:extLst>
           </p:cNvPr>
@@ -7526,15 +7526,15 @@
         </p:nvPicPr>
         <p:blipFill>
           <a:blip r:embed="rId4"/>
-          <a:srcRect t="5623" r="8872" b="3543"/>
+          <a:srcRect l="6421" t="3997" b="35610"/>
           <a:stretch>
             <a:fillRect/>
           </a:stretch>
         </p:blipFill>
         <p:spPr>
           <a:xfrm>
-            <a:off x="8773350" y="2562695"/>
-            <a:ext cx="3237594" cy="2073313"/>
+            <a:off x="9133849" y="870677"/>
+            <a:ext cx="2677177" cy="1528485"/>
           </a:xfrm>
           <a:prstGeom prst="rect">
             <a:avLst/>
@@ -7543,10 +7543,10 @@
       </p:pic>
       <p:pic>
         <p:nvPicPr>
-          <p:cNvPr id="14" name="Picture 13">
-            <a:extLst>
-              <a:ext uri="{FF2B5EF4-FFF2-40B4-BE49-F238E27FC236}">
-                <a16:creationId xmlns:a16="http://schemas.microsoft.com/office/drawing/2014/main" id="{984421B3-CA5B-707F-C8D2-5D247B6CB62D}"/>
+          <p:cNvPr id="10" name="Picture 9">
+            <a:extLst>
+              <a:ext uri="{FF2B5EF4-FFF2-40B4-BE49-F238E27FC236}">
+                <a16:creationId xmlns:a16="http://schemas.microsoft.com/office/drawing/2014/main" id="{4C6A64C5-77DB-6E9E-0EFC-86D5D8E76895}"/>
               </a:ext>
             </a:extLst>
           </p:cNvPr>
@@ -7557,27 +7557,61 @@
         </p:nvPicPr>
         <p:blipFill>
           <a:blip r:embed="rId5"/>
-          <a:srcRect l="6421" t="3997" b="35610"/>
+          <a:srcRect t="6437" r="6495" b="4041"/>
           <a:stretch>
             <a:fillRect/>
           </a:stretch>
         </p:blipFill>
         <p:spPr>
           <a:xfrm>
-            <a:off x="9133849" y="870677"/>
-            <a:ext cx="2677177" cy="1528485"/>
+            <a:off x="4941547" y="2680740"/>
+            <a:ext cx="3185630" cy="1736808"/>
           </a:xfrm>
           <a:prstGeom prst="rect">
             <a:avLst/>
           </a:prstGeom>
         </p:spPr>
       </p:pic>
+      <p:sp>
+        <p:nvSpPr>
+          <p:cNvPr id="3" name="Footer Placeholder 2">
+            <a:extLst>
+              <a:ext uri="{FF2B5EF4-FFF2-40B4-BE49-F238E27FC236}">
+                <a16:creationId xmlns:a16="http://schemas.microsoft.com/office/drawing/2014/main" id="{0287CE03-B588-8643-02BA-1E1B72567176}"/>
+              </a:ext>
+            </a:extLst>
+          </p:cNvPr>
+          <p:cNvSpPr>
+            <a:spLocks noGrp="1"/>
+          </p:cNvSpPr>
+          <p:nvPr>
+            <p:ph type="ftr" sz="quarter" idx="11"/>
+          </p:nvPr>
+        </p:nvSpPr>
+        <p:spPr>
+          <a:xfrm>
+            <a:off x="87465" y="86934"/>
+            <a:ext cx="7176911" cy="230832"/>
+          </a:xfrm>
+        </p:spPr>
+        <p:txBody>
+          <a:bodyPr/>
+          <a:lstStyle/>
+          <a:p>
+            <a:r>
+              <a:rPr lang="en-US" sz="1600" dirty="0"/>
+              <a:t>Visualization and Analysis – Tutorial Presentation For Feedback</a:t>
+            </a:r>
+            <a:endParaRPr lang="en-GB" sz="1600" dirty="0"/>
+          </a:p>
+        </p:txBody>
+      </p:sp>
       <p:pic>
         <p:nvPicPr>
-          <p:cNvPr id="5" name="Picture 4">
-            <a:extLst>
-              <a:ext uri="{FF2B5EF4-FFF2-40B4-BE49-F238E27FC236}">
-                <a16:creationId xmlns:a16="http://schemas.microsoft.com/office/drawing/2014/main" id="{EF928033-CC30-025D-EFD5-456328FD8800}"/>
+          <p:cNvPr id="7" name="Picture 6">
+            <a:extLst>
+              <a:ext uri="{FF2B5EF4-FFF2-40B4-BE49-F238E27FC236}">
+                <a16:creationId xmlns:a16="http://schemas.microsoft.com/office/drawing/2014/main" id="{1A930F04-4FC5-7F82-7F69-292E90847D84}"/>
               </a:ext>
             </a:extLst>
           </p:cNvPr>
@@ -7594,8 +7628,8 @@
         </p:blipFill>
         <p:spPr>
           <a:xfrm>
-            <a:off x="179832" y="3159253"/>
-            <a:ext cx="3677079" cy="2208275"/>
+            <a:off x="4377684" y="4535593"/>
+            <a:ext cx="3560739" cy="2244288"/>
           </a:xfrm>
           <a:prstGeom prst="rect">
             <a:avLst/>
@@ -7604,10 +7638,10 @@
       </p:pic>
       <p:pic>
         <p:nvPicPr>
-          <p:cNvPr id="10" name="Picture 9">
-            <a:extLst>
-              <a:ext uri="{FF2B5EF4-FFF2-40B4-BE49-F238E27FC236}">
-                <a16:creationId xmlns:a16="http://schemas.microsoft.com/office/drawing/2014/main" id="{4C6A64C5-77DB-6E9E-0EFC-86D5D8E76895}"/>
+          <p:cNvPr id="9" name="Picture 8">
+            <a:extLst>
+              <a:ext uri="{FF2B5EF4-FFF2-40B4-BE49-F238E27FC236}">
+                <a16:creationId xmlns:a16="http://schemas.microsoft.com/office/drawing/2014/main" id="{2DCA628D-20F9-520F-8FA3-5AC4FD5B4C89}"/>
               </a:ext>
             </a:extLst>
           </p:cNvPr>
@@ -7618,61 +7652,26 @@
         </p:nvPicPr>
         <p:blipFill>
           <a:blip r:embed="rId7"/>
-          <a:srcRect t="6437" r="6495" b="4041"/>
           <a:stretch>
             <a:fillRect/>
           </a:stretch>
         </p:blipFill>
         <p:spPr>
           <a:xfrm>
-            <a:off x="4941547" y="2680740"/>
-            <a:ext cx="3185630" cy="1736808"/>
+            <a:off x="8385049" y="4644823"/>
+            <a:ext cx="3237594" cy="2135058"/>
           </a:xfrm>
           <a:prstGeom prst="rect">
             <a:avLst/>
           </a:prstGeom>
         </p:spPr>
       </p:pic>
-      <p:sp>
-        <p:nvSpPr>
-          <p:cNvPr id="3" name="Footer Placeholder 2">
-            <a:extLst>
-              <a:ext uri="{FF2B5EF4-FFF2-40B4-BE49-F238E27FC236}">
-                <a16:creationId xmlns:a16="http://schemas.microsoft.com/office/drawing/2014/main" id="{0287CE03-B588-8643-02BA-1E1B72567176}"/>
-              </a:ext>
-            </a:extLst>
-          </p:cNvPr>
-          <p:cNvSpPr>
-            <a:spLocks noGrp="1"/>
-          </p:cNvSpPr>
-          <p:nvPr>
-            <p:ph type="ftr" sz="quarter" idx="11"/>
-          </p:nvPr>
-        </p:nvSpPr>
-        <p:spPr>
-          <a:xfrm>
-            <a:off x="87465" y="86934"/>
-            <a:ext cx="7176911" cy="230832"/>
-          </a:xfrm>
-        </p:spPr>
-        <p:txBody>
-          <a:bodyPr/>
-          <a:lstStyle/>
-          <a:p>
-            <a:r>
-              <a:rPr lang="en-US" sz="1600" dirty="0"/>
-              <a:t>Visualization and Analysis – Tutorial Presentation For Feedback</a:t>
-            </a:r>
-            <a:endParaRPr lang="en-GB" sz="1600" dirty="0"/>
-          </a:p>
-        </p:txBody>
-      </p:sp>
       <p:pic>
         <p:nvPicPr>
-          <p:cNvPr id="7" name="Picture 6">
-            <a:extLst>
-              <a:ext uri="{FF2B5EF4-FFF2-40B4-BE49-F238E27FC236}">
-                <a16:creationId xmlns:a16="http://schemas.microsoft.com/office/drawing/2014/main" id="{1A930F04-4FC5-7F82-7F69-292E90847D84}"/>
+          <p:cNvPr id="11" name="Picture 10" descr="A graph of a number of green bars&#10;&#10;AI-generated content may be incorrect.">
+            <a:extLst>
+              <a:ext uri="{FF2B5EF4-FFF2-40B4-BE49-F238E27FC236}">
+                <a16:creationId xmlns:a16="http://schemas.microsoft.com/office/drawing/2014/main" id="{F6DBC861-EF48-C878-925B-8DDD9E57641B}"/>
               </a:ext>
             </a:extLst>
           </p:cNvPr>
@@ -7682,15 +7681,21 @@
           <p:nvPr/>
         </p:nvPicPr>
         <p:blipFill>
-          <a:blip r:embed="rId8"/>
+          <a:blip r:embed="rId8">
+            <a:extLst>
+              <a:ext uri="{28A0092B-C50C-407E-A947-70E740481C1C}">
+                <a14:useLocalDpi xmlns:a14="http://schemas.microsoft.com/office/drawing/2010/main" val="0"/>
+              </a:ext>
+            </a:extLst>
+          </a:blip>
           <a:stretch>
             <a:fillRect/>
           </a:stretch>
         </p:blipFill>
         <p:spPr>
           <a:xfrm>
-            <a:off x="4377684" y="4535593"/>
-            <a:ext cx="3560739" cy="2244288"/>
+            <a:off x="544220" y="825887"/>
+            <a:ext cx="3515715" cy="2208275"/>
           </a:xfrm>
           <a:prstGeom prst="rect">
             <a:avLst/>
@@ -7699,10 +7704,10 @@
       </p:pic>
       <p:pic>
         <p:nvPicPr>
-          <p:cNvPr id="9" name="Picture 8">
-            <a:extLst>
-              <a:ext uri="{FF2B5EF4-FFF2-40B4-BE49-F238E27FC236}">
-                <a16:creationId xmlns:a16="http://schemas.microsoft.com/office/drawing/2014/main" id="{2DCA628D-20F9-520F-8FA3-5AC4FD5B4C89}"/>
+          <p:cNvPr id="16" name="Picture 15" descr="A graph of a number of green bars&#10;&#10;AI-generated content may be incorrect.">
+            <a:extLst>
+              <a:ext uri="{FF2B5EF4-FFF2-40B4-BE49-F238E27FC236}">
+                <a16:creationId xmlns:a16="http://schemas.microsoft.com/office/drawing/2014/main" id="{DF384DBA-A9C0-DC95-A4AA-BB9652F3B868}"/>
               </a:ext>
             </a:extLst>
           </p:cNvPr>
@@ -7712,15 +7717,21 @@
           <p:nvPr/>
         </p:nvPicPr>
         <p:blipFill>
-          <a:blip r:embed="rId9"/>
+          <a:blip r:embed="rId9">
+            <a:extLst>
+              <a:ext uri="{28A0092B-C50C-407E-A947-70E740481C1C}">
+                <a14:useLocalDpi xmlns:a14="http://schemas.microsoft.com/office/drawing/2010/main" val="0"/>
+              </a:ext>
+            </a:extLst>
+          </a:blip>
           <a:stretch>
             <a:fillRect/>
           </a:stretch>
         </p:blipFill>
         <p:spPr>
           <a:xfrm>
-            <a:off x="8385049" y="4644823"/>
-            <a:ext cx="3237594" cy="2135058"/>
+            <a:off x="633873" y="3200217"/>
+            <a:ext cx="3426061" cy="2208275"/>
           </a:xfrm>
           <a:prstGeom prst="rect">
             <a:avLst/>
@@ -10025,6 +10036,15 @@
 </file>
 
 <file path=customXml/item1.xml><?xml version="1.0" encoding="utf-8"?>
+<?mso-contentType ?>
+<FormTemplates xmlns="http://schemas.microsoft.com/sharepoint/v3/contenttype/forms">
+  <Display>DocumentLibraryForm</Display>
+  <Edit>DocumentLibraryForm</Edit>
+  <New>DocumentLibraryForm</New>
+</FormTemplates>
+</file>
+
+<file path=customXml/item2.xml><?xml version="1.0" encoding="utf-8"?>
 <ct:contentTypeSchema xmlns:ct="http://schemas.microsoft.com/office/2006/metadata/contentType" xmlns:ma="http://schemas.microsoft.com/office/2006/metadata/properties/metaAttributes" ct:_="" ma:_="" ma:contentTypeName="Document" ma:contentTypeID="0x01010026DBA85F447B164191BB36C258697B67" ma:contentTypeVersion="14" ma:contentTypeDescription="Create a new document." ma:contentTypeScope="" ma:versionID="ea511d05ca7f895fe9556935b5c9af34">
   <xsd:schema xmlns:xsd="http://www.w3.org/2001/XMLSchema" xmlns:xs="http://www.w3.org/2001/XMLSchema" xmlns:p="http://schemas.microsoft.com/office/2006/metadata/properties" xmlns:ns2="4ad138b4-2b68-4b70-945d-07f8f18b1c9a" xmlns:ns3="3c474641-ec36-472f-b125-6b1b0910eaa4" targetNamespace="http://schemas.microsoft.com/office/2006/metadata/properties" ma:root="true" ma:fieldsID="662270106d7a7e100bcac2c5f8d29899" ns2:_="" ns3:_="">
     <xsd:import namespace="4ad138b4-2b68-4b70-945d-07f8f18b1c9a"/>
@@ -10249,15 +10269,6 @@
 </ct:contentTypeSchema>
 </file>
 
-<file path=customXml/item2.xml><?xml version="1.0" encoding="utf-8"?>
-<?mso-contentType ?>
-<FormTemplates xmlns="http://schemas.microsoft.com/sharepoint/v3/contenttype/forms">
-  <Display>DocumentLibraryForm</Display>
-  <Edit>DocumentLibraryForm</Edit>
-  <New>DocumentLibraryForm</New>
-</FormTemplates>
-</file>
-
 <file path=customXml/item3.xml><?xml version="1.0" encoding="utf-8"?>
 <p:properties xmlns:p="http://schemas.microsoft.com/office/2006/metadata/properties" xmlns:xsi="http://www.w3.org/2001/XMLSchema-instance" xmlns:pc="http://schemas.microsoft.com/office/infopath/2007/PartnerControls">
   <documentManagement>
@@ -10267,6 +10278,14 @@
 </file>
 
 <file path=customXml/itemProps1.xml><?xml version="1.0" encoding="utf-8"?>
+<ds:datastoreItem xmlns:ds="http://schemas.openxmlformats.org/officeDocument/2006/customXml" ds:itemID="{91C521DD-2673-4EE6-BB9B-DC5C3320FFBB}">
+  <ds:schemaRefs>
+    <ds:schemaRef ds:uri="http://schemas.microsoft.com/sharepoint/v3/contenttype/forms"/>
+  </ds:schemaRefs>
+</ds:datastoreItem>
+</file>
+
+<file path=customXml/itemProps2.xml><?xml version="1.0" encoding="utf-8"?>
 <ds:datastoreItem xmlns:ds="http://schemas.openxmlformats.org/officeDocument/2006/customXml" ds:itemID="{421B8C57-903D-4D0E-8336-7B512F760CD1}">
   <ds:schemaRefs>
     <ds:schemaRef ds:uri="3c474641-ec36-472f-b125-6b1b0910eaa4"/>
@@ -10281,14 +10300,6 @@
     <ds:schemaRef ds:uri="http://schemas.microsoft.com/office/infopath/2007/PartnerControls"/>
     <ds:schemaRef ds:uri="http://schemas.openxmlformats.org/package/2006/metadata/core-properties"/>
     <ds:schemaRef ds:uri="http://www.w3.org/2001/XMLSchema"/>
-  </ds:schemaRefs>
-</ds:datastoreItem>
-</file>
-
-<file path=customXml/itemProps2.xml><?xml version="1.0" encoding="utf-8"?>
-<ds:datastoreItem xmlns:ds="http://schemas.openxmlformats.org/officeDocument/2006/customXml" ds:itemID="{91C521DD-2673-4EE6-BB9B-DC5C3320FFBB}">
-  <ds:schemaRefs>
-    <ds:schemaRef ds:uri="http://schemas.microsoft.com/sharepoint/v3/contenttype/forms"/>
   </ds:schemaRefs>
 </ds:datastoreItem>
 </file>
